--- a/Project presentation_200403_오서현.pptx
+++ b/Project presentation_200403_오서현.pptx
@@ -11,8 +11,8 @@
     <p:sldId id="256" r:id="rId2"/>
     <p:sldId id="267" r:id="rId3"/>
     <p:sldId id="260" r:id="rId4"/>
-    <p:sldId id="261" r:id="rId5"/>
-    <p:sldId id="269" r:id="rId6"/>
+    <p:sldId id="269" r:id="rId5"/>
+    <p:sldId id="261" r:id="rId6"/>
     <p:sldId id="266" r:id="rId7"/>
     <p:sldId id="268" r:id="rId8"/>
   </p:sldIdLst>
@@ -5722,7 +5722,7 @@
           <a:p>
             <a:fld id="{B5861965-54FF-412A-8FBF-001DF37533BB}" type="datetimeFigureOut">
               <a:rPr lang="ko-KR" altLang="en-US" smtClean="0"/>
-              <a:t>2020-04-03</a:t>
+              <a:t>2020-04-07</a:t>
             </a:fld>
             <a:endParaRPr lang="ko-KR" altLang="en-US"/>
           </a:p>
@@ -6136,7 +6136,7 @@
           <a:p>
             <a:fld id="{F51CAB20-EF17-45C4-A058-0B423DB7E989}" type="datetime1">
               <a:rPr lang="ko-KR" altLang="en-US" smtClean="0"/>
-              <a:t>2020-04-03</a:t>
+              <a:t>2020-04-07</a:t>
             </a:fld>
             <a:endParaRPr lang="ko-KR" altLang="en-US"/>
           </a:p>
@@ -6334,7 +6334,7 @@
           <a:p>
             <a:fld id="{0277F029-8759-4C1E-846F-BBECCBBC9228}" type="datetime1">
               <a:rPr lang="ko-KR" altLang="en-US" smtClean="0"/>
-              <a:t>2020-04-03</a:t>
+              <a:t>2020-04-07</a:t>
             </a:fld>
             <a:endParaRPr lang="ko-KR" altLang="en-US"/>
           </a:p>
@@ -6542,7 +6542,7 @@
           <a:p>
             <a:fld id="{C2C7740B-63CF-434A-8CBB-64F9FE6B3D38}" type="datetime1">
               <a:rPr lang="ko-KR" altLang="en-US" smtClean="0"/>
-              <a:t>2020-04-03</a:t>
+              <a:t>2020-04-07</a:t>
             </a:fld>
             <a:endParaRPr lang="ko-KR" altLang="en-US"/>
           </a:p>
@@ -6740,7 +6740,7 @@
           <a:p>
             <a:fld id="{ABD1D678-DC81-4A71-907F-DDFD6F5F08DE}" type="datetime1">
               <a:rPr lang="ko-KR" altLang="en-US" smtClean="0"/>
-              <a:t>2020-04-03</a:t>
+              <a:t>2020-04-07</a:t>
             </a:fld>
             <a:endParaRPr lang="ko-KR" altLang="en-US"/>
           </a:p>
@@ -7015,7 +7015,7 @@
           <a:p>
             <a:fld id="{970EB55F-EAC1-4580-BEE3-A43F410F1076}" type="datetime1">
               <a:rPr lang="ko-KR" altLang="en-US" smtClean="0"/>
-              <a:t>2020-04-03</a:t>
+              <a:t>2020-04-07</a:t>
             </a:fld>
             <a:endParaRPr lang="ko-KR" altLang="en-US"/>
           </a:p>
@@ -7280,7 +7280,7 @@
           <a:p>
             <a:fld id="{3615ACC2-B694-47D0-9EAF-EBB267506FE6}" type="datetime1">
               <a:rPr lang="ko-KR" altLang="en-US" smtClean="0"/>
-              <a:t>2020-04-03</a:t>
+              <a:t>2020-04-07</a:t>
             </a:fld>
             <a:endParaRPr lang="ko-KR" altLang="en-US"/>
           </a:p>
@@ -7692,7 +7692,7 @@
           <a:p>
             <a:fld id="{18F107A6-C9F1-4F80-97EE-9FCF488D4917}" type="datetime1">
               <a:rPr lang="ko-KR" altLang="en-US" smtClean="0"/>
-              <a:t>2020-04-03</a:t>
+              <a:t>2020-04-07</a:t>
             </a:fld>
             <a:endParaRPr lang="ko-KR" altLang="en-US"/>
           </a:p>
@@ -7833,7 +7833,7 @@
           <a:p>
             <a:fld id="{5D535627-1D05-42EC-8E3F-169CF5B3DE73}" type="datetime1">
               <a:rPr lang="ko-KR" altLang="en-US" smtClean="0"/>
-              <a:t>2020-04-03</a:t>
+              <a:t>2020-04-07</a:t>
             </a:fld>
             <a:endParaRPr lang="ko-KR" altLang="en-US"/>
           </a:p>
@@ -7946,7 +7946,7 @@
           <a:p>
             <a:fld id="{E9F6D315-04BC-4287-8C19-EA11BC8A5FC3}" type="datetime1">
               <a:rPr lang="ko-KR" altLang="en-US" smtClean="0"/>
-              <a:t>2020-04-03</a:t>
+              <a:t>2020-04-07</a:t>
             </a:fld>
             <a:endParaRPr lang="ko-KR" altLang="en-US"/>
           </a:p>
@@ -8257,7 +8257,7 @@
           <a:p>
             <a:fld id="{6A025233-3FAB-42B1-8EE2-6D5BD6CBB98C}" type="datetime1">
               <a:rPr lang="ko-KR" altLang="en-US" smtClean="0"/>
-              <a:t>2020-04-03</a:t>
+              <a:t>2020-04-07</a:t>
             </a:fld>
             <a:endParaRPr lang="ko-KR" altLang="en-US"/>
           </a:p>
@@ -8545,7 +8545,7 @@
           <a:p>
             <a:fld id="{F10B1CF9-DB53-48E3-9D9A-5C12CCE5FE12}" type="datetime1">
               <a:rPr lang="ko-KR" altLang="en-US" smtClean="0"/>
-              <a:t>2020-04-03</a:t>
+              <a:t>2020-04-07</a:t>
             </a:fld>
             <a:endParaRPr lang="ko-KR" altLang="en-US"/>
           </a:p>
@@ -8786,7 +8786,7 @@
           <a:p>
             <a:fld id="{E6150BB8-DAD0-4111-A093-2910783FD040}" type="datetime1">
               <a:rPr lang="ko-KR" altLang="en-US" smtClean="0"/>
-              <a:t>2020-04-03</a:t>
+              <a:t>2020-04-07</a:t>
             </a:fld>
             <a:endParaRPr lang="ko-KR" altLang="en-US"/>
           </a:p>
@@ -9618,135 +9618,6 @@
           <a:bodyPr/>
           <a:lstStyle/>
           <a:p>
-            <a:endParaRPr lang="ko-KR" altLang="en-US" dirty="0">
-              <a:latin typeface="KoPubWorld돋움체 Bold" panose="00000800000000000000" pitchFamily="2" charset="-127"/>
-              <a:ea typeface="KoPubWorld돋움체 Bold" panose="00000800000000000000" pitchFamily="2" charset="-127"/>
-              <a:cs typeface="KoPubWorld돋움체 Bold" panose="00000800000000000000" pitchFamily="2" charset="-127"/>
-            </a:endParaRPr>
-          </a:p>
-        </p:txBody>
-      </p:sp>
-      <p:sp>
-        <p:nvSpPr>
-          <p:cNvPr id="3" name="내용 개체 틀 2">
-            <a:extLst>
-              <a:ext uri="{FF2B5EF4-FFF2-40B4-BE49-F238E27FC236}">
-                <a16:creationId xmlns:a16="http://schemas.microsoft.com/office/drawing/2014/main" id="{848A99DB-E555-402B-A9DA-BEAAD4F37648}"/>
-              </a:ext>
-            </a:extLst>
-          </p:cNvPr>
-          <p:cNvSpPr>
-            <a:spLocks noGrp="1"/>
-          </p:cNvSpPr>
-          <p:nvPr>
-            <p:ph idx="1"/>
-          </p:nvPr>
-        </p:nvSpPr>
-        <p:spPr>
-          <a:xfrm>
-            <a:off x="838200" y="1690688"/>
-            <a:ext cx="10515600" cy="3387939"/>
-          </a:xfrm>
-        </p:spPr>
-        <p:txBody>
-          <a:bodyPr>
-            <a:normAutofit/>
-          </a:bodyPr>
-          <a:lstStyle/>
-          <a:p>
-            <a:pPr>
-              <a:lnSpc>
-                <a:spcPct val="150000"/>
-              </a:lnSpc>
-            </a:pPr>
-            <a:endParaRPr lang="en-US" altLang="ko-KR" dirty="0">
-              <a:latin typeface="KoPubWorld돋움체 Light" panose="00000300000000000000" pitchFamily="2" charset="-127"/>
-              <a:ea typeface="KoPubWorld돋움체 Light" panose="00000300000000000000" pitchFamily="2" charset="-127"/>
-              <a:cs typeface="KoPubWorld돋움체 Light" panose="00000300000000000000" pitchFamily="2" charset="-127"/>
-            </a:endParaRPr>
-          </a:p>
-        </p:txBody>
-      </p:sp>
-      <p:sp>
-        <p:nvSpPr>
-          <p:cNvPr id="4" name="슬라이드 번호 개체 틀 3">
-            <a:extLst>
-              <a:ext uri="{FF2B5EF4-FFF2-40B4-BE49-F238E27FC236}">
-                <a16:creationId xmlns:a16="http://schemas.microsoft.com/office/drawing/2014/main" id="{2DFF1E4B-6CB9-466D-986E-7A478CBF4203}"/>
-              </a:ext>
-            </a:extLst>
-          </p:cNvPr>
-          <p:cNvSpPr>
-            <a:spLocks noGrp="1"/>
-          </p:cNvSpPr>
-          <p:nvPr>
-            <p:ph type="sldNum" sz="quarter" idx="12"/>
-          </p:nvPr>
-        </p:nvSpPr>
-        <p:spPr/>
-        <p:txBody>
-          <a:bodyPr/>
-          <a:lstStyle/>
-          <a:p>
-            <a:fld id="{F23BFD20-FCC4-4F93-A15D-8D6DE933FEAB}" type="slidenum">
-              <a:rPr lang="ko-KR" altLang="en-US" smtClean="0"/>
-              <a:t>4</a:t>
-            </a:fld>
-            <a:endParaRPr lang="ko-KR" altLang="en-US"/>
-          </a:p>
-        </p:txBody>
-      </p:sp>
-    </p:spTree>
-    <p:extLst>
-      <p:ext uri="{BB962C8B-B14F-4D97-AF65-F5344CB8AC3E}">
-        <p14:creationId xmlns:p14="http://schemas.microsoft.com/office/powerpoint/2010/main" val="252349457"/>
-      </p:ext>
-    </p:extLst>
-  </p:cSld>
-  <p:clrMapOvr>
-    <a:masterClrMapping/>
-  </p:clrMapOvr>
-</p:sld>
-</file>
-
-<file path=ppt/slides/slide5.xml><?xml version="1.0" encoding="utf-8"?>
-<p:sld xmlns:a="http://schemas.openxmlformats.org/drawingml/2006/main" xmlns:r="http://schemas.openxmlformats.org/officeDocument/2006/relationships" xmlns:p="http://schemas.openxmlformats.org/presentationml/2006/main">
-  <p:cSld>
-    <p:spTree>
-      <p:nvGrpSpPr>
-        <p:cNvPr id="1" name=""/>
-        <p:cNvGrpSpPr/>
-        <p:nvPr/>
-      </p:nvGrpSpPr>
-      <p:grpSpPr>
-        <a:xfrm>
-          <a:off x="0" y="0"/>
-          <a:ext cx="0" cy="0"/>
-          <a:chOff x="0" y="0"/>
-          <a:chExt cx="0" cy="0"/>
-        </a:xfrm>
-      </p:grpSpPr>
-      <p:sp>
-        <p:nvSpPr>
-          <p:cNvPr id="2" name="제목 1">
-            <a:extLst>
-              <a:ext uri="{FF2B5EF4-FFF2-40B4-BE49-F238E27FC236}">
-                <a16:creationId xmlns:a16="http://schemas.microsoft.com/office/drawing/2014/main" id="{D3715E0A-3B2F-4B46-953B-432C9DCA6209}"/>
-              </a:ext>
-            </a:extLst>
-          </p:cNvPr>
-          <p:cNvSpPr>
-            <a:spLocks noGrp="1"/>
-          </p:cNvSpPr>
-          <p:nvPr>
-            <p:ph type="title"/>
-          </p:nvPr>
-        </p:nvSpPr>
-        <p:spPr/>
-        <p:txBody>
-          <a:bodyPr/>
-          <a:lstStyle/>
-          <a:p>
             <a:r>
               <a:rPr lang="ko-KR" altLang="en-US" dirty="0" err="1">
                 <a:latin typeface="KoPubWorld돋움체 Bold" panose="00000800000000000000" pitchFamily="2" charset="-127"/>
@@ -9867,96 +9738,6 @@
                 <a:spcPct val="150000"/>
               </a:lnSpc>
             </a:pPr>
-            <a:r>
-              <a:rPr lang="ko-KR" altLang="en-US" dirty="0">
-                <a:latin typeface="KoPubWorld돋움체 Light" panose="00000300000000000000" pitchFamily="2" charset="-127"/>
-                <a:ea typeface="KoPubWorld돋움체 Light" panose="00000300000000000000" pitchFamily="2" charset="-127"/>
-                <a:cs typeface="KoPubWorld돋움체 Light" panose="00000300000000000000" pitchFamily="2" charset="-127"/>
-              </a:rPr>
-              <a:t>주문결제내역 저장 및 조회</a:t>
-            </a:r>
-            <a:r>
-              <a:rPr lang="en-US" altLang="ko-KR" dirty="0">
-                <a:latin typeface="KoPubWorld돋움체 Light" panose="00000300000000000000" pitchFamily="2" charset="-127"/>
-                <a:ea typeface="KoPubWorld돋움체 Light" panose="00000300000000000000" pitchFamily="2" charset="-127"/>
-                <a:cs typeface="KoPubWorld돋움체 Light" panose="00000300000000000000" pitchFamily="2" charset="-127"/>
-              </a:rPr>
-              <a:t>: calendar?</a:t>
-            </a:r>
-          </a:p>
-          <a:p>
-            <a:pPr>
-              <a:lnSpc>
-                <a:spcPct val="150000"/>
-              </a:lnSpc>
-            </a:pPr>
-            <a:r>
-              <a:rPr lang="ko-KR" altLang="en-US" dirty="0">
-                <a:latin typeface="KoPubWorld돋움체 Light" panose="00000300000000000000" pitchFamily="2" charset="-127"/>
-                <a:ea typeface="KoPubWorld돋움체 Light" panose="00000300000000000000" pitchFamily="2" charset="-127"/>
-                <a:cs typeface="KoPubWorld돋움체 Light" panose="00000300000000000000" pitchFamily="2" charset="-127"/>
-              </a:rPr>
-              <a:t>매출집계</a:t>
-            </a:r>
-            <a:r>
-              <a:rPr lang="en-US" altLang="ko-KR" dirty="0">
-                <a:latin typeface="KoPubWorld돋움체 Light" panose="00000300000000000000" pitchFamily="2" charset="-127"/>
-                <a:ea typeface="KoPubWorld돋움체 Light" panose="00000300000000000000" pitchFamily="2" charset="-127"/>
-                <a:cs typeface="KoPubWorld돋움체 Light" panose="00000300000000000000" pitchFamily="2" charset="-127"/>
-              </a:rPr>
-              <a:t>:</a:t>
-            </a:r>
-          </a:p>
-          <a:p>
-            <a:pPr>
-              <a:lnSpc>
-                <a:spcPct val="150000"/>
-              </a:lnSpc>
-            </a:pPr>
-            <a:r>
-              <a:rPr lang="en-US" altLang="ko-KR" dirty="0">
-                <a:latin typeface="KoPubWorld돋움체 Light" panose="00000300000000000000" pitchFamily="2" charset="-127"/>
-                <a:ea typeface="KoPubWorld돋움체 Light" panose="00000300000000000000" pitchFamily="2" charset="-127"/>
-                <a:cs typeface="KoPubWorld돋움체 Light" panose="00000300000000000000" pitchFamily="2" charset="-127"/>
-              </a:rPr>
-              <a:t>GUI: </a:t>
-            </a:r>
-            <a:r>
-              <a:rPr lang="ko-KR" altLang="en-US" dirty="0">
-                <a:latin typeface="KoPubWorld돋움체 Light" panose="00000300000000000000" pitchFamily="2" charset="-127"/>
-                <a:ea typeface="KoPubWorld돋움체 Light" panose="00000300000000000000" pitchFamily="2" charset="-127"/>
-                <a:cs typeface="KoPubWorld돋움체 Light" panose="00000300000000000000" pitchFamily="2" charset="-127"/>
-              </a:rPr>
-              <a:t>시계</a:t>
-            </a:r>
-            <a:r>
-              <a:rPr lang="en-US" altLang="ko-KR" dirty="0">
-                <a:latin typeface="KoPubWorld돋움체 Light" panose="00000300000000000000" pitchFamily="2" charset="-127"/>
-                <a:ea typeface="KoPubWorld돋움체 Light" panose="00000300000000000000" pitchFamily="2" charset="-127"/>
-                <a:cs typeface="KoPubWorld돋움체 Light" panose="00000300000000000000" pitchFamily="2" charset="-127"/>
-              </a:rPr>
-              <a:t>, </a:t>
-            </a:r>
-            <a:r>
-              <a:rPr lang="en-US" altLang="ko-KR" dirty="0" err="1">
-                <a:latin typeface="KoPubWorld돋움체 Light" panose="00000300000000000000" pitchFamily="2" charset="-127"/>
-                <a:ea typeface="KoPubWorld돋움체 Light" panose="00000300000000000000" pitchFamily="2" charset="-127"/>
-                <a:cs typeface="KoPubWorld돋움체 Light" panose="00000300000000000000" pitchFamily="2" charset="-127"/>
-              </a:rPr>
-              <a:t>statusbar</a:t>
-            </a:r>
-            <a:endParaRPr lang="en-US" altLang="ko-KR" dirty="0">
-              <a:latin typeface="KoPubWorld돋움체 Light" panose="00000300000000000000" pitchFamily="2" charset="-127"/>
-              <a:ea typeface="KoPubWorld돋움체 Light" panose="00000300000000000000" pitchFamily="2" charset="-127"/>
-              <a:cs typeface="KoPubWorld돋움체 Light" panose="00000300000000000000" pitchFamily="2" charset="-127"/>
-            </a:endParaRPr>
-          </a:p>
-          <a:p>
-            <a:pPr>
-              <a:lnSpc>
-                <a:spcPct val="150000"/>
-              </a:lnSpc>
-            </a:pPr>
             <a:endParaRPr lang="en-US" altLang="ko-KR" dirty="0">
               <a:latin typeface="KoPubWorld돋움체 Light" panose="00000300000000000000" pitchFamily="2" charset="-127"/>
               <a:ea typeface="KoPubWorld돋움체 Light" panose="00000300000000000000" pitchFamily="2" charset="-127"/>
@@ -9988,7 +9769,7 @@
           <a:p>
             <a:fld id="{F23BFD20-FCC4-4F93-A15D-8D6DE933FEAB}" type="slidenum">
               <a:rPr lang="ko-KR" altLang="en-US" smtClean="0"/>
-              <a:t>5</a:t>
+              <a:t>4</a:t>
             </a:fld>
             <a:endParaRPr lang="ko-KR" altLang="en-US"/>
           </a:p>
@@ -9998,6 +9779,135 @@
     <p:extLst>
       <p:ext uri="{BB962C8B-B14F-4D97-AF65-F5344CB8AC3E}">
         <p14:creationId xmlns:p14="http://schemas.microsoft.com/office/powerpoint/2010/main" val="1918045683"/>
+      </p:ext>
+    </p:extLst>
+  </p:cSld>
+  <p:clrMapOvr>
+    <a:masterClrMapping/>
+  </p:clrMapOvr>
+</p:sld>
+</file>
+
+<file path=ppt/slides/slide5.xml><?xml version="1.0" encoding="utf-8"?>
+<p:sld xmlns:a="http://schemas.openxmlformats.org/drawingml/2006/main" xmlns:r="http://schemas.openxmlformats.org/officeDocument/2006/relationships" xmlns:p="http://schemas.openxmlformats.org/presentationml/2006/main">
+  <p:cSld>
+    <p:spTree>
+      <p:nvGrpSpPr>
+        <p:cNvPr id="1" name=""/>
+        <p:cNvGrpSpPr/>
+        <p:nvPr/>
+      </p:nvGrpSpPr>
+      <p:grpSpPr>
+        <a:xfrm>
+          <a:off x="0" y="0"/>
+          <a:ext cx="0" cy="0"/>
+          <a:chOff x="0" y="0"/>
+          <a:chExt cx="0" cy="0"/>
+        </a:xfrm>
+      </p:grpSpPr>
+      <p:sp>
+        <p:nvSpPr>
+          <p:cNvPr id="2" name="제목 1">
+            <a:extLst>
+              <a:ext uri="{FF2B5EF4-FFF2-40B4-BE49-F238E27FC236}">
+                <a16:creationId xmlns:a16="http://schemas.microsoft.com/office/drawing/2014/main" id="{D3715E0A-3B2F-4B46-953B-432C9DCA6209}"/>
+              </a:ext>
+            </a:extLst>
+          </p:cNvPr>
+          <p:cNvSpPr>
+            <a:spLocks noGrp="1"/>
+          </p:cNvSpPr>
+          <p:nvPr>
+            <p:ph type="title"/>
+          </p:nvPr>
+        </p:nvSpPr>
+        <p:spPr/>
+        <p:txBody>
+          <a:bodyPr/>
+          <a:lstStyle/>
+          <a:p>
+            <a:endParaRPr lang="ko-KR" altLang="en-US" dirty="0">
+              <a:latin typeface="KoPubWorld돋움체 Bold" panose="00000800000000000000" pitchFamily="2" charset="-127"/>
+              <a:ea typeface="KoPubWorld돋움체 Bold" panose="00000800000000000000" pitchFamily="2" charset="-127"/>
+              <a:cs typeface="KoPubWorld돋움체 Bold" panose="00000800000000000000" pitchFamily="2" charset="-127"/>
+            </a:endParaRPr>
+          </a:p>
+        </p:txBody>
+      </p:sp>
+      <p:sp>
+        <p:nvSpPr>
+          <p:cNvPr id="3" name="내용 개체 틀 2">
+            <a:extLst>
+              <a:ext uri="{FF2B5EF4-FFF2-40B4-BE49-F238E27FC236}">
+                <a16:creationId xmlns:a16="http://schemas.microsoft.com/office/drawing/2014/main" id="{848A99DB-E555-402B-A9DA-BEAAD4F37648}"/>
+              </a:ext>
+            </a:extLst>
+          </p:cNvPr>
+          <p:cNvSpPr>
+            <a:spLocks noGrp="1"/>
+          </p:cNvSpPr>
+          <p:nvPr>
+            <p:ph idx="1"/>
+          </p:nvPr>
+        </p:nvSpPr>
+        <p:spPr>
+          <a:xfrm>
+            <a:off x="838200" y="1690688"/>
+            <a:ext cx="10515600" cy="3387939"/>
+          </a:xfrm>
+        </p:spPr>
+        <p:txBody>
+          <a:bodyPr>
+            <a:normAutofit/>
+          </a:bodyPr>
+          <a:lstStyle/>
+          <a:p>
+            <a:pPr>
+              <a:lnSpc>
+                <a:spcPct val="150000"/>
+              </a:lnSpc>
+            </a:pPr>
+            <a:endParaRPr lang="en-US" altLang="ko-KR" dirty="0">
+              <a:latin typeface="KoPubWorld돋움체 Light" panose="00000300000000000000" pitchFamily="2" charset="-127"/>
+              <a:ea typeface="KoPubWorld돋움체 Light" panose="00000300000000000000" pitchFamily="2" charset="-127"/>
+              <a:cs typeface="KoPubWorld돋움체 Light" panose="00000300000000000000" pitchFamily="2" charset="-127"/>
+            </a:endParaRPr>
+          </a:p>
+        </p:txBody>
+      </p:sp>
+      <p:sp>
+        <p:nvSpPr>
+          <p:cNvPr id="4" name="슬라이드 번호 개체 틀 3">
+            <a:extLst>
+              <a:ext uri="{FF2B5EF4-FFF2-40B4-BE49-F238E27FC236}">
+                <a16:creationId xmlns:a16="http://schemas.microsoft.com/office/drawing/2014/main" id="{2DFF1E4B-6CB9-466D-986E-7A478CBF4203}"/>
+              </a:ext>
+            </a:extLst>
+          </p:cNvPr>
+          <p:cNvSpPr>
+            <a:spLocks noGrp="1"/>
+          </p:cNvSpPr>
+          <p:nvPr>
+            <p:ph type="sldNum" sz="quarter" idx="12"/>
+          </p:nvPr>
+        </p:nvSpPr>
+        <p:spPr/>
+        <p:txBody>
+          <a:bodyPr/>
+          <a:lstStyle/>
+          <a:p>
+            <a:fld id="{F23BFD20-FCC4-4F93-A15D-8D6DE933FEAB}" type="slidenum">
+              <a:rPr lang="ko-KR" altLang="en-US" smtClean="0"/>
+              <a:t>5</a:t>
+            </a:fld>
+            <a:endParaRPr lang="ko-KR" altLang="en-US"/>
+          </a:p>
+        </p:txBody>
+      </p:sp>
+    </p:spTree>
+    <p:extLst>
+      <p:ext uri="{BB962C8B-B14F-4D97-AF65-F5344CB8AC3E}">
+        <p14:creationId xmlns:p14="http://schemas.microsoft.com/office/powerpoint/2010/main" val="252349457"/>
       </p:ext>
     </p:extLst>
   </p:cSld>
@@ -10046,202 +9956,18 @@
           <a:lstStyle/>
           <a:p>
             <a:r>
-              <a:rPr lang="en-US" altLang="ko-KR" dirty="0">
+              <a:rPr lang="ko-KR" altLang="en-US">
                 <a:latin typeface="KoPubWorld돋움체 Bold" panose="00000800000000000000" pitchFamily="2" charset="-127"/>
                 <a:ea typeface="KoPubWorld돋움체 Bold" panose="00000800000000000000" pitchFamily="2" charset="-127"/>
                 <a:cs typeface="KoPubWorld돋움체 Bold" panose="00000800000000000000" pitchFamily="2" charset="-127"/>
               </a:rPr>
-              <a:t>Project plan</a:t>
+              <a:t>개발 일정</a:t>
             </a:r>
             <a:endParaRPr lang="ko-KR" altLang="en-US" dirty="0">
               <a:latin typeface="KoPubWorld돋움체 Bold" panose="00000800000000000000" pitchFamily="2" charset="-127"/>
               <a:ea typeface="KoPubWorld돋움체 Bold" panose="00000800000000000000" pitchFamily="2" charset="-127"/>
               <a:cs typeface="KoPubWorld돋움체 Bold" panose="00000800000000000000" pitchFamily="2" charset="-127"/>
             </a:endParaRPr>
-          </a:p>
-        </p:txBody>
-      </p:sp>
-      <p:sp>
-        <p:nvSpPr>
-          <p:cNvPr id="3" name="내용 개체 틀 2">
-            <a:extLst>
-              <a:ext uri="{FF2B5EF4-FFF2-40B4-BE49-F238E27FC236}">
-                <a16:creationId xmlns:a16="http://schemas.microsoft.com/office/drawing/2014/main" id="{F4A0A1EF-BBF3-454A-89FA-81715D57EEF7}"/>
-              </a:ext>
-            </a:extLst>
-          </p:cNvPr>
-          <p:cNvSpPr>
-            <a:spLocks noGrp="1"/>
-          </p:cNvSpPr>
-          <p:nvPr>
-            <p:ph idx="1"/>
-          </p:nvPr>
-        </p:nvSpPr>
-        <p:spPr>
-          <a:xfrm>
-            <a:off x="838200" y="1690688"/>
-            <a:ext cx="10515600" cy="4351338"/>
-          </a:xfrm>
-        </p:spPr>
-        <p:txBody>
-          <a:bodyPr/>
-          <a:lstStyle/>
-          <a:p>
-            <a:pPr>
-              <a:lnSpc>
-                <a:spcPct val="150000"/>
-              </a:lnSpc>
-            </a:pPr>
-            <a:r>
-              <a:rPr lang="en-US" altLang="ko-KR" dirty="0">
-                <a:latin typeface="KoPubWorld돋움체 Light" panose="00000300000000000000" pitchFamily="2" charset="-127"/>
-                <a:ea typeface="KoPubWorld돋움체 Light" panose="00000300000000000000" pitchFamily="2" charset="-127"/>
-                <a:cs typeface="KoPubWorld돋움체 Light" panose="00000300000000000000" pitchFamily="2" charset="-127"/>
-              </a:rPr>
-              <a:t>~7</a:t>
-            </a:r>
-            <a:r>
-              <a:rPr lang="ko-KR" altLang="en-US" dirty="0">
-                <a:latin typeface="KoPubWorld돋움체 Light" panose="00000300000000000000" pitchFamily="2" charset="-127"/>
-                <a:ea typeface="KoPubWorld돋움체 Light" panose="00000300000000000000" pitchFamily="2" charset="-127"/>
-                <a:cs typeface="KoPubWorld돋움체 Light" panose="00000300000000000000" pitchFamily="2" charset="-127"/>
-              </a:rPr>
-              <a:t>주차</a:t>
-            </a:r>
-            <a:r>
-              <a:rPr lang="en-US" altLang="ko-KR" dirty="0">
-                <a:latin typeface="KoPubWorld돋움체 Light" panose="00000300000000000000" pitchFamily="2" charset="-127"/>
-                <a:ea typeface="KoPubWorld돋움체 Light" panose="00000300000000000000" pitchFamily="2" charset="-127"/>
-                <a:cs typeface="KoPubWorld돋움체 Light" panose="00000300000000000000" pitchFamily="2" charset="-127"/>
-              </a:rPr>
-              <a:t>: </a:t>
-            </a:r>
-            <a:r>
-              <a:rPr lang="ko-KR" altLang="en-US" dirty="0">
-                <a:latin typeface="KoPubWorld돋움체 Light" panose="00000300000000000000" pitchFamily="2" charset="-127"/>
-                <a:ea typeface="KoPubWorld돋움체 Light" panose="00000300000000000000" pitchFamily="2" charset="-127"/>
-                <a:cs typeface="KoPubWorld돋움체 Light" panose="00000300000000000000" pitchFamily="2" charset="-127"/>
-              </a:rPr>
-              <a:t>주문결제내역 저장 및 조회</a:t>
-            </a:r>
-            <a:r>
-              <a:rPr lang="en-US" altLang="ko-KR" dirty="0">
-                <a:latin typeface="KoPubWorld돋움체 Light" panose="00000300000000000000" pitchFamily="2" charset="-127"/>
-                <a:ea typeface="KoPubWorld돋움체 Light" panose="00000300000000000000" pitchFamily="2" charset="-127"/>
-                <a:cs typeface="KoPubWorld돋움체 Light" panose="00000300000000000000" pitchFamily="2" charset="-127"/>
-              </a:rPr>
-              <a:t>(2nd Tab)</a:t>
-            </a:r>
-          </a:p>
-          <a:p>
-            <a:pPr>
-              <a:lnSpc>
-                <a:spcPct val="150000"/>
-              </a:lnSpc>
-            </a:pPr>
-            <a:r>
-              <a:rPr lang="en-US" altLang="ko-KR" dirty="0">
-                <a:latin typeface="KoPubWorld돋움체 Light" panose="00000300000000000000" pitchFamily="2" charset="-127"/>
-                <a:ea typeface="KoPubWorld돋움체 Light" panose="00000300000000000000" pitchFamily="2" charset="-127"/>
-                <a:cs typeface="KoPubWorld돋움체 Light" panose="00000300000000000000" pitchFamily="2" charset="-127"/>
-              </a:rPr>
-              <a:t>~9</a:t>
-            </a:r>
-            <a:r>
-              <a:rPr lang="ko-KR" altLang="en-US" dirty="0">
-                <a:latin typeface="KoPubWorld돋움체 Light" panose="00000300000000000000" pitchFamily="2" charset="-127"/>
-                <a:ea typeface="KoPubWorld돋움체 Light" panose="00000300000000000000" pitchFamily="2" charset="-127"/>
-                <a:cs typeface="KoPubWorld돋움체 Light" panose="00000300000000000000" pitchFamily="2" charset="-127"/>
-              </a:rPr>
-              <a:t>주차</a:t>
-            </a:r>
-            <a:r>
-              <a:rPr lang="en-US" altLang="ko-KR" dirty="0">
-                <a:latin typeface="KoPubWorld돋움체 Light" panose="00000300000000000000" pitchFamily="2" charset="-127"/>
-                <a:ea typeface="KoPubWorld돋움체 Light" panose="00000300000000000000" pitchFamily="2" charset="-127"/>
-                <a:cs typeface="KoPubWorld돋움체 Light" panose="00000300000000000000" pitchFamily="2" charset="-127"/>
-              </a:rPr>
-              <a:t>: </a:t>
-            </a:r>
-            <a:r>
-              <a:rPr lang="ko-KR" altLang="en-US" dirty="0">
-                <a:latin typeface="KoPubWorld돋움체 Light" panose="00000300000000000000" pitchFamily="2" charset="-127"/>
-                <a:ea typeface="KoPubWorld돋움체 Light" panose="00000300000000000000" pitchFamily="2" charset="-127"/>
-                <a:cs typeface="KoPubWorld돋움체 Light" panose="00000300000000000000" pitchFamily="2" charset="-127"/>
-              </a:rPr>
-              <a:t>매출집계</a:t>
-            </a:r>
-            <a:r>
-              <a:rPr lang="en-US" altLang="ko-KR" dirty="0">
-                <a:latin typeface="KoPubWorld돋움체 Light" panose="00000300000000000000" pitchFamily="2" charset="-127"/>
-                <a:ea typeface="KoPubWorld돋움체 Light" panose="00000300000000000000" pitchFamily="2" charset="-127"/>
-                <a:cs typeface="KoPubWorld돋움체 Light" panose="00000300000000000000" pitchFamily="2" charset="-127"/>
-              </a:rPr>
-              <a:t>(3</a:t>
-            </a:r>
-            <a:r>
-              <a:rPr lang="en-US" altLang="ko-KR" baseline="30000" dirty="0">
-                <a:latin typeface="KoPubWorld돋움체 Light" panose="00000300000000000000" pitchFamily="2" charset="-127"/>
-                <a:ea typeface="KoPubWorld돋움체 Light" panose="00000300000000000000" pitchFamily="2" charset="-127"/>
-                <a:cs typeface="KoPubWorld돋움체 Light" panose="00000300000000000000" pitchFamily="2" charset="-127"/>
-              </a:rPr>
-              <a:t>rd</a:t>
-            </a:r>
-            <a:r>
-              <a:rPr lang="en-US" altLang="ko-KR" dirty="0">
-                <a:latin typeface="KoPubWorld돋움체 Light" panose="00000300000000000000" pitchFamily="2" charset="-127"/>
-                <a:ea typeface="KoPubWorld돋움체 Light" panose="00000300000000000000" pitchFamily="2" charset="-127"/>
-                <a:cs typeface="KoPubWorld돋움체 Light" panose="00000300000000000000" pitchFamily="2" charset="-127"/>
-              </a:rPr>
-              <a:t> Tab)</a:t>
-            </a:r>
-          </a:p>
-          <a:p>
-            <a:pPr>
-              <a:lnSpc>
-                <a:spcPct val="150000"/>
-              </a:lnSpc>
-            </a:pPr>
-            <a:r>
-              <a:rPr lang="en-US" altLang="ko-KR" dirty="0">
-                <a:latin typeface="KoPubWorld돋움체 Light" panose="00000300000000000000" pitchFamily="2" charset="-127"/>
-                <a:ea typeface="KoPubWorld돋움체 Light" panose="00000300000000000000" pitchFamily="2" charset="-127"/>
-                <a:cs typeface="KoPubWorld돋움체 Light" panose="00000300000000000000" pitchFamily="2" charset="-127"/>
-              </a:rPr>
-              <a:t>~10</a:t>
-            </a:r>
-            <a:r>
-              <a:rPr lang="ko-KR" altLang="en-US" dirty="0">
-                <a:latin typeface="KoPubWorld돋움체 Light" panose="00000300000000000000" pitchFamily="2" charset="-127"/>
-                <a:ea typeface="KoPubWorld돋움체 Light" panose="00000300000000000000" pitchFamily="2" charset="-127"/>
-                <a:cs typeface="KoPubWorld돋움체 Light" panose="00000300000000000000" pitchFamily="2" charset="-127"/>
-              </a:rPr>
-              <a:t>주차</a:t>
-            </a:r>
-            <a:r>
-              <a:rPr lang="en-US" altLang="ko-KR" dirty="0">
-                <a:latin typeface="KoPubWorld돋움체 Light" panose="00000300000000000000" pitchFamily="2" charset="-127"/>
-                <a:ea typeface="KoPubWorld돋움체 Light" panose="00000300000000000000" pitchFamily="2" charset="-127"/>
-                <a:cs typeface="KoPubWorld돋움체 Light" panose="00000300000000000000" pitchFamily="2" charset="-127"/>
-              </a:rPr>
-              <a:t>: </a:t>
-            </a:r>
-            <a:r>
-              <a:rPr lang="ko-KR" altLang="en-US" dirty="0">
-                <a:latin typeface="KoPubWorld돋움체 Light" panose="00000300000000000000" pitchFamily="2" charset="-127"/>
-                <a:ea typeface="KoPubWorld돋움체 Light" panose="00000300000000000000" pitchFamily="2" charset="-127"/>
-                <a:cs typeface="KoPubWorld돋움체 Light" panose="00000300000000000000" pitchFamily="2" charset="-127"/>
-              </a:rPr>
-              <a:t>데이터 외부 연동</a:t>
-            </a:r>
-            <a:r>
-              <a:rPr lang="en-US" altLang="ko-KR" dirty="0">
-                <a:latin typeface="KoPubWorld돋움체 Light" panose="00000300000000000000" pitchFamily="2" charset="-127"/>
-                <a:ea typeface="KoPubWorld돋움체 Light" panose="00000300000000000000" pitchFamily="2" charset="-127"/>
-                <a:cs typeface="KoPubWorld돋움체 Light" panose="00000300000000000000" pitchFamily="2" charset="-127"/>
-              </a:rPr>
-              <a:t>, exe</a:t>
-            </a:r>
           </a:p>
         </p:txBody>
       </p:sp>
@@ -10270,6 +9996,31 @@
               <a:rPr lang="ko-KR" altLang="en-US" smtClean="0"/>
               <a:t>6</a:t>
             </a:fld>
+            <a:endParaRPr lang="ko-KR" altLang="en-US"/>
+          </a:p>
+        </p:txBody>
+      </p:sp>
+      <p:sp>
+        <p:nvSpPr>
+          <p:cNvPr id="15" name="내용 개체 틀 14">
+            <a:extLst>
+              <a:ext uri="{FF2B5EF4-FFF2-40B4-BE49-F238E27FC236}">
+                <a16:creationId xmlns:a16="http://schemas.microsoft.com/office/drawing/2014/main" id="{8FFD8C58-B56B-40B0-9960-D4C933AC673C}"/>
+              </a:ext>
+            </a:extLst>
+          </p:cNvPr>
+          <p:cNvSpPr>
+            <a:spLocks noGrp="1"/>
+          </p:cNvSpPr>
+          <p:nvPr>
+            <p:ph idx="1"/>
+          </p:nvPr>
+        </p:nvSpPr>
+        <p:spPr/>
+        <p:txBody>
+          <a:bodyPr/>
+          <a:lstStyle/>
+          <a:p>
             <a:endParaRPr lang="ko-KR" altLang="en-US"/>
           </a:p>
         </p:txBody>
